--- a/ШарпикПрезентация.pptx
+++ b/ШарпикПрезентация.pptx
@@ -109,6 +109,11 @@
       </a:defRPr>
     </a:lvl9pPr>
   </p:defaultTextStyle>
+  <p:extLst>
+    <p:ext uri="{EFAFB233-063F-42B5-8137-9DF3F51BA10A}">
+      <p15:sldGuideLst xmlns:p15="http://schemas.microsoft.com/office/powerpoint/2012/main"/>
+    </p:ext>
+  </p:extLst>
 </p:presentation>
 </file>
 
@@ -259,7 +264,7 @@
           <a:p>
             <a:fld id="{A332901F-ADAF-4E0F-997F-6557F27F0CBB}" type="datetimeFigureOut">
               <a:rPr lang="ru-RU" smtClean="0"/>
-              <a:t>чт 30.05.24</a:t>
+              <a:t>пт 31.05.24</a:t>
             </a:fld>
             <a:endParaRPr lang="ru-RU"/>
           </a:p>
@@ -457,7 +462,7 @@
           <a:p>
             <a:fld id="{A332901F-ADAF-4E0F-997F-6557F27F0CBB}" type="datetimeFigureOut">
               <a:rPr lang="ru-RU" smtClean="0"/>
-              <a:t>чт 30.05.24</a:t>
+              <a:t>пт 31.05.24</a:t>
             </a:fld>
             <a:endParaRPr lang="ru-RU"/>
           </a:p>
@@ -665,7 +670,7 @@
           <a:p>
             <a:fld id="{A332901F-ADAF-4E0F-997F-6557F27F0CBB}" type="datetimeFigureOut">
               <a:rPr lang="ru-RU" smtClean="0"/>
-              <a:t>чт 30.05.24</a:t>
+              <a:t>пт 31.05.24</a:t>
             </a:fld>
             <a:endParaRPr lang="ru-RU"/>
           </a:p>
@@ -863,7 +868,7 @@
           <a:p>
             <a:fld id="{A332901F-ADAF-4E0F-997F-6557F27F0CBB}" type="datetimeFigureOut">
               <a:rPr lang="ru-RU" smtClean="0"/>
-              <a:t>чт 30.05.24</a:t>
+              <a:t>пт 31.05.24</a:t>
             </a:fld>
             <a:endParaRPr lang="ru-RU"/>
           </a:p>
@@ -1138,7 +1143,7 @@
           <a:p>
             <a:fld id="{A332901F-ADAF-4E0F-997F-6557F27F0CBB}" type="datetimeFigureOut">
               <a:rPr lang="ru-RU" smtClean="0"/>
-              <a:t>чт 30.05.24</a:t>
+              <a:t>пт 31.05.24</a:t>
             </a:fld>
             <a:endParaRPr lang="ru-RU"/>
           </a:p>
@@ -1403,7 +1408,7 @@
           <a:p>
             <a:fld id="{A332901F-ADAF-4E0F-997F-6557F27F0CBB}" type="datetimeFigureOut">
               <a:rPr lang="ru-RU" smtClean="0"/>
-              <a:t>чт 30.05.24</a:t>
+              <a:t>пт 31.05.24</a:t>
             </a:fld>
             <a:endParaRPr lang="ru-RU"/>
           </a:p>
@@ -1815,7 +1820,7 @@
           <a:p>
             <a:fld id="{A332901F-ADAF-4E0F-997F-6557F27F0CBB}" type="datetimeFigureOut">
               <a:rPr lang="ru-RU" smtClean="0"/>
-              <a:t>чт 30.05.24</a:t>
+              <a:t>пт 31.05.24</a:t>
             </a:fld>
             <a:endParaRPr lang="ru-RU"/>
           </a:p>
@@ -1956,7 +1961,7 @@
           <a:p>
             <a:fld id="{A332901F-ADAF-4E0F-997F-6557F27F0CBB}" type="datetimeFigureOut">
               <a:rPr lang="ru-RU" smtClean="0"/>
-              <a:t>чт 30.05.24</a:t>
+              <a:t>пт 31.05.24</a:t>
             </a:fld>
             <a:endParaRPr lang="ru-RU"/>
           </a:p>
@@ -2069,7 +2074,7 @@
           <a:p>
             <a:fld id="{A332901F-ADAF-4E0F-997F-6557F27F0CBB}" type="datetimeFigureOut">
               <a:rPr lang="ru-RU" smtClean="0"/>
-              <a:t>чт 30.05.24</a:t>
+              <a:t>пт 31.05.24</a:t>
             </a:fld>
             <a:endParaRPr lang="ru-RU"/>
           </a:p>
@@ -2380,7 +2385,7 @@
           <a:p>
             <a:fld id="{A332901F-ADAF-4E0F-997F-6557F27F0CBB}" type="datetimeFigureOut">
               <a:rPr lang="ru-RU" smtClean="0"/>
-              <a:t>чт 30.05.24</a:t>
+              <a:t>пт 31.05.24</a:t>
             </a:fld>
             <a:endParaRPr lang="ru-RU"/>
           </a:p>
@@ -2668,7 +2673,7 @@
           <a:p>
             <a:fld id="{A332901F-ADAF-4E0F-997F-6557F27F0CBB}" type="datetimeFigureOut">
               <a:rPr lang="ru-RU" smtClean="0"/>
-              <a:t>чт 30.05.24</a:t>
+              <a:t>пт 31.05.24</a:t>
             </a:fld>
             <a:endParaRPr lang="ru-RU"/>
           </a:p>
@@ -2909,7 +2914,7 @@
           <a:p>
             <a:fld id="{A332901F-ADAF-4E0F-997F-6557F27F0CBB}" type="datetimeFigureOut">
               <a:rPr lang="ru-RU" smtClean="0"/>
-              <a:t>чт 30.05.24</a:t>
+              <a:t>пт 31.05.24</a:t>
             </a:fld>
             <a:endParaRPr lang="ru-RU"/>
           </a:p>
@@ -3576,10 +3581,10 @@
       </p:grpSpPr>
       <p:pic>
         <p:nvPicPr>
-          <p:cNvPr id="3" name="Рисунок 2">
-            <a:extLst>
-              <a:ext uri="{FF2B5EF4-FFF2-40B4-BE49-F238E27FC236}">
-                <a16:creationId xmlns:a16="http://schemas.microsoft.com/office/drawing/2014/main" id="{0F02A191-CE1A-4B3B-A6B2-3A366552141C}"/>
+          <p:cNvPr id="4" name="Рисунок 3">
+            <a:extLst>
+              <a:ext uri="{FF2B5EF4-FFF2-40B4-BE49-F238E27FC236}">
+                <a16:creationId xmlns:a16="http://schemas.microsoft.com/office/drawing/2014/main" id="{16DD5889-5F95-4EBA-8C96-C678DEBD2081}"/>
               </a:ext>
             </a:extLst>
           </p:cNvPr>
